--- a/GroupChaosBottling.pptx
+++ b/GroupChaosBottling.pptx
@@ -6,6 +6,10 @@
   </p:sldMasterIdLst>
   <p:sldIdLst>
     <p:sldId id="256" r:id="rId2"/>
+    <p:sldId id="257" r:id="rId3"/>
+    <p:sldId id="258" r:id="rId4"/>
+    <p:sldId id="259" r:id="rId5"/>
+    <p:sldId id="260" r:id="rId6"/>
   </p:sldIdLst>
   <p:sldSz cx="9144000" cy="6858000" type="screen4x3"/>
   <p:notesSz cx="6858000" cy="9144000"/>
@@ -104,6 +108,11 @@
       </a:defRPr>
     </a:lvl9pPr>
   </p:defaultTextStyle>
+  <p:extLst>
+    <p:ext uri="{EFAFB233-063F-42B5-8137-9DF3F51BA10A}">
+      <p15:sldGuideLst xmlns:p15="http://schemas.microsoft.com/office/powerpoint/2012/main"/>
+    </p:ext>
+  </p:extLst>
 </p:presentation>
 </file>
 
@@ -238,7 +247,7 @@
           <a:p>
             <a:fld id="{ADE6F90C-7BD8-4CF8-A9F8-76DABF1E91F2}" type="datetimeFigureOut">
               <a:rPr kumimoji="1" lang="ja-JP" altLang="en-US" smtClean="0"/>
-              <a:t>2025/2/25</a:t>
+              <a:t>2025/2/28</a:t>
             </a:fld>
             <a:endParaRPr kumimoji="1" lang="ja-JP" altLang="en-US"/>
           </a:p>
@@ -440,7 +449,7 @@
           <a:p>
             <a:fld id="{ADE6F90C-7BD8-4CF8-A9F8-76DABF1E91F2}" type="datetimeFigureOut">
               <a:rPr kumimoji="1" lang="ja-JP" altLang="en-US" smtClean="0"/>
-              <a:t>2025/2/25</a:t>
+              <a:t>2025/2/28</a:t>
             </a:fld>
             <a:endParaRPr kumimoji="1" lang="ja-JP" altLang="en-US"/>
           </a:p>
@@ -652,7 +661,7 @@
           <a:p>
             <a:fld id="{ADE6F90C-7BD8-4CF8-A9F8-76DABF1E91F2}" type="datetimeFigureOut">
               <a:rPr kumimoji="1" lang="ja-JP" altLang="en-US" smtClean="0"/>
-              <a:t>2025/2/25</a:t>
+              <a:t>2025/2/28</a:t>
             </a:fld>
             <a:endParaRPr kumimoji="1" lang="ja-JP" altLang="en-US"/>
           </a:p>
@@ -854,7 +863,7 @@
           <a:p>
             <a:fld id="{ADE6F90C-7BD8-4CF8-A9F8-76DABF1E91F2}" type="datetimeFigureOut">
               <a:rPr kumimoji="1" lang="ja-JP" altLang="en-US" smtClean="0"/>
-              <a:t>2025/2/25</a:t>
+              <a:t>2025/2/28</a:t>
             </a:fld>
             <a:endParaRPr kumimoji="1" lang="ja-JP" altLang="en-US"/>
           </a:p>
@@ -1098,7 +1107,7 @@
           <a:p>
             <a:fld id="{ADE6F90C-7BD8-4CF8-A9F8-76DABF1E91F2}" type="datetimeFigureOut">
               <a:rPr kumimoji="1" lang="ja-JP" altLang="en-US" smtClean="0"/>
-              <a:t>2025/2/25</a:t>
+              <a:t>2025/2/28</a:t>
             </a:fld>
             <a:endParaRPr kumimoji="1" lang="ja-JP" altLang="en-US"/>
           </a:p>
@@ -1394,7 +1403,7 @@
           <a:p>
             <a:fld id="{ADE6F90C-7BD8-4CF8-A9F8-76DABF1E91F2}" type="datetimeFigureOut">
               <a:rPr kumimoji="1" lang="ja-JP" altLang="en-US" smtClean="0"/>
-              <a:t>2025/2/25</a:t>
+              <a:t>2025/2/28</a:t>
             </a:fld>
             <a:endParaRPr kumimoji="1" lang="ja-JP" altLang="en-US"/>
           </a:p>
@@ -1825,7 +1834,7 @@
           <a:p>
             <a:fld id="{ADE6F90C-7BD8-4CF8-A9F8-76DABF1E91F2}" type="datetimeFigureOut">
               <a:rPr kumimoji="1" lang="ja-JP" altLang="en-US" smtClean="0"/>
-              <a:t>2025/2/25</a:t>
+              <a:t>2025/2/28</a:t>
             </a:fld>
             <a:endParaRPr kumimoji="1" lang="ja-JP" altLang="en-US"/>
           </a:p>
@@ -1943,7 +1952,7 @@
           <a:p>
             <a:fld id="{ADE6F90C-7BD8-4CF8-A9F8-76DABF1E91F2}" type="datetimeFigureOut">
               <a:rPr kumimoji="1" lang="ja-JP" altLang="en-US" smtClean="0"/>
-              <a:t>2025/2/25</a:t>
+              <a:t>2025/2/28</a:t>
             </a:fld>
             <a:endParaRPr kumimoji="1" lang="ja-JP" altLang="en-US"/>
           </a:p>
@@ -2038,7 +2047,7 @@
           <a:p>
             <a:fld id="{ADE6F90C-7BD8-4CF8-A9F8-76DABF1E91F2}" type="datetimeFigureOut">
               <a:rPr kumimoji="1" lang="ja-JP" altLang="en-US" smtClean="0"/>
-              <a:t>2025/2/25</a:t>
+              <a:t>2025/2/28</a:t>
             </a:fld>
             <a:endParaRPr kumimoji="1" lang="ja-JP" altLang="en-US"/>
           </a:p>
@@ -2347,7 +2356,7 @@
           <a:p>
             <a:fld id="{ADE6F90C-7BD8-4CF8-A9F8-76DABF1E91F2}" type="datetimeFigureOut">
               <a:rPr kumimoji="1" lang="ja-JP" altLang="en-US" smtClean="0"/>
-              <a:t>2025/2/25</a:t>
+              <a:t>2025/2/28</a:t>
             </a:fld>
             <a:endParaRPr kumimoji="1" lang="ja-JP" altLang="en-US"/>
           </a:p>
@@ -2604,7 +2613,7 @@
           <a:p>
             <a:fld id="{ADE6F90C-7BD8-4CF8-A9F8-76DABF1E91F2}" type="datetimeFigureOut">
               <a:rPr kumimoji="1" lang="ja-JP" altLang="en-US" smtClean="0"/>
-              <a:t>2025/2/25</a:t>
+              <a:t>2025/2/28</a:t>
             </a:fld>
             <a:endParaRPr kumimoji="1" lang="ja-JP" altLang="en-US"/>
           </a:p>
@@ -2849,7 +2858,7 @@
           <a:p>
             <a:fld id="{ADE6F90C-7BD8-4CF8-A9F8-76DABF1E91F2}" type="datetimeFigureOut">
               <a:rPr kumimoji="1" lang="ja-JP" altLang="en-US" smtClean="0"/>
-              <a:t>2025/2/25</a:t>
+              <a:t>2025/2/28</a:t>
             </a:fld>
             <a:endParaRPr kumimoji="1" lang="ja-JP" altLang="en-US"/>
           </a:p>
@@ -3270,24 +3279,71 @@
             <p:ph type="ctrTitle"/>
           </p:nvPr>
         </p:nvSpPr>
-        <p:spPr/>
-        <p:txBody>
-          <a:bodyPr/>
-          <a:lstStyle/>
-          <a:p>
-            <a:endParaRPr kumimoji="1" lang="ja-JP" altLang="en-US"/>
-          </a:p>
-        </p:txBody>
-      </p:sp>
-      <p:sp>
-        <p:nvSpPr>
-          <p:cNvPr id="3" name="字幕 2">
+        <p:spPr>
+          <a:xfrm>
+            <a:off x="3474293" y="-884826"/>
+            <a:ext cx="1723871" cy="884826"/>
+          </a:xfrm>
+        </p:spPr>
+        <p:txBody>
+          <a:bodyPr>
+            <a:normAutofit fontScale="90000"/>
+          </a:bodyPr>
+          <a:lstStyle/>
+          <a:p>
+            <a:r>
+              <a:rPr lang="ja-JP" altLang="en-US" dirty="0"/>
+              <a:t>表紙</a:t>
+            </a:r>
+            <a:endParaRPr kumimoji="1" lang="ja-JP" altLang="en-US" dirty="0"/>
+          </a:p>
+        </p:txBody>
+      </p:sp>
+      <p:pic>
+        <p:nvPicPr>
+          <p:cNvPr id="7" name="図 6">
             <a:extLst>
               <a:ext uri="{FF2B5EF4-FFF2-40B4-BE49-F238E27FC236}">
-                <a16:creationId xmlns:a16="http://schemas.microsoft.com/office/drawing/2014/main" id="{9830D8FB-FF1A-4FB0-824C-47942D465031}"/>
+                <a16:creationId xmlns:a16="http://schemas.microsoft.com/office/drawing/2014/main" id="{882208C5-316C-44D0-B89F-DA0494420F5E}"/>
               </a:ext>
             </a:extLst>
           </p:cNvPr>
+          <p:cNvPicPr>
+            <a:picLocks noChangeAspect="1"/>
+          </p:cNvPicPr>
+          <p:nvPr/>
+        </p:nvPicPr>
+        <p:blipFill>
+          <a:blip r:embed="rId2">
+            <a:extLst>
+              <a:ext uri="{28A0092B-C50C-407E-A947-70E740481C1C}">
+                <a14:useLocalDpi xmlns:a14="http://schemas.microsoft.com/office/drawing/2010/main" val="0"/>
+              </a:ext>
+            </a:extLst>
+          </a:blip>
+          <a:stretch>
+            <a:fillRect/>
+          </a:stretch>
+        </p:blipFill>
+        <p:spPr>
+          <a:xfrm>
+            <a:off x="1142999" y="713799"/>
+            <a:ext cx="5480437" cy="2888240"/>
+          </a:xfrm>
+          <a:prstGeom prst="rect">
+            <a:avLst/>
+          </a:prstGeom>
+        </p:spPr>
+      </p:pic>
+      <p:sp>
+        <p:nvSpPr>
+          <p:cNvPr id="9" name="字幕 8">
+            <a:extLst>
+              <a:ext uri="{FF2B5EF4-FFF2-40B4-BE49-F238E27FC236}">
+                <a16:creationId xmlns:a16="http://schemas.microsoft.com/office/drawing/2014/main" id="{943FE6D2-90C1-4725-8704-36CE8BA47F6F}"/>
+              </a:ext>
+            </a:extLst>
+          </p:cNvPr>
           <p:cNvSpPr>
             <a:spLocks noGrp="1"/>
           </p:cNvSpPr>
@@ -3295,19 +3351,1301 @@
             <p:ph type="subTitle" idx="1"/>
           </p:nvPr>
         </p:nvSpPr>
-        <p:spPr/>
-        <p:txBody>
-          <a:bodyPr/>
-          <a:lstStyle/>
-          <a:p>
-            <a:endParaRPr kumimoji="1" lang="ja-JP" altLang="en-US"/>
-          </a:p>
-        </p:txBody>
-      </p:sp>
+        <p:spPr>
+          <a:xfrm>
+            <a:off x="1143000" y="3768918"/>
+            <a:ext cx="6858000" cy="2631882"/>
+          </a:xfrm>
+        </p:spPr>
+        <p:txBody>
+          <a:bodyPr>
+            <a:normAutofit/>
+          </a:bodyPr>
+          <a:lstStyle/>
+          <a:p>
+            <a:pPr algn="l"/>
+            <a:r>
+              <a:rPr lang="ja-JP" altLang="en-US" dirty="0">
+                <a:latin typeface="源暎ちくご明朝 v3" panose="02020502050000000000" pitchFamily="18" charset="-128"/>
+                <a:ea typeface="源暎ちくご明朝 v3" panose="02020502050000000000" pitchFamily="18" charset="-128"/>
+              </a:rPr>
+              <a:t>学年学科</a:t>
+            </a:r>
+            <a:r>
+              <a:rPr lang="en-US" altLang="ja-JP" dirty="0">
+                <a:latin typeface="源暎ちくご明朝 v3" panose="02020502050000000000" pitchFamily="18" charset="-128"/>
+                <a:ea typeface="源暎ちくご明朝 v3" panose="02020502050000000000" pitchFamily="18" charset="-128"/>
+              </a:rPr>
+              <a:t>:</a:t>
+            </a:r>
+            <a:r>
+              <a:rPr lang="ja-JP" altLang="en-US" dirty="0">
+                <a:latin typeface="源暎ちくご明朝 v3" panose="02020502050000000000" pitchFamily="18" charset="-128"/>
+                <a:ea typeface="源暎ちくご明朝 v3" panose="02020502050000000000" pitchFamily="18" charset="-128"/>
+              </a:rPr>
+              <a:t> </a:t>
+            </a:r>
+            <a:r>
+              <a:rPr lang="en-US" altLang="ja-JP" dirty="0">
+                <a:latin typeface="源暎ちくご明朝 v3" panose="02020502050000000000" pitchFamily="18" charset="-128"/>
+                <a:ea typeface="源暎ちくご明朝 v3" panose="02020502050000000000" pitchFamily="18" charset="-128"/>
+              </a:rPr>
+              <a:t>	2</a:t>
+            </a:r>
+            <a:r>
+              <a:rPr lang="ja-JP" altLang="en-US" dirty="0">
+                <a:latin typeface="源暎ちくご明朝 v3" panose="02020502050000000000" pitchFamily="18" charset="-128"/>
+                <a:ea typeface="源暎ちくご明朝 v3" panose="02020502050000000000" pitchFamily="18" charset="-128"/>
+              </a:rPr>
+              <a:t>年ゲーム総合</a:t>
+            </a:r>
+            <a:r>
+              <a:rPr lang="en-US" altLang="ja-JP" dirty="0">
+                <a:latin typeface="源暎ちくご明朝 v3" panose="02020502050000000000" pitchFamily="18" charset="-128"/>
+                <a:ea typeface="源暎ちくご明朝 v3" panose="02020502050000000000" pitchFamily="18" charset="-128"/>
+              </a:rPr>
+              <a:t>,</a:t>
+            </a:r>
+            <a:r>
+              <a:rPr lang="ja-JP" altLang="en-US" dirty="0">
+                <a:latin typeface="源暎ちくご明朝 v3" panose="02020502050000000000" pitchFamily="18" charset="-128"/>
+                <a:ea typeface="源暎ちくご明朝 v3" panose="02020502050000000000" pitchFamily="18" charset="-128"/>
+              </a:rPr>
+              <a:t> ゲームサイエンス</a:t>
+            </a:r>
+            <a:endParaRPr lang="en-US" altLang="ja-JP" dirty="0">
+              <a:latin typeface="源暎ちくご明朝 v3" panose="02020502050000000000" pitchFamily="18" charset="-128"/>
+              <a:ea typeface="源暎ちくご明朝 v3" panose="02020502050000000000" pitchFamily="18" charset="-128"/>
+            </a:endParaRPr>
+          </a:p>
+          <a:p>
+            <a:pPr algn="l"/>
+            <a:r>
+              <a:rPr lang="ja-JP" altLang="en-US" dirty="0">
+                <a:latin typeface="源暎ちくご明朝 v3" panose="02020502050000000000" pitchFamily="18" charset="-128"/>
+                <a:ea typeface="源暎ちくご明朝 v3" panose="02020502050000000000" pitchFamily="18" charset="-128"/>
+              </a:rPr>
+              <a:t>チーム</a:t>
+            </a:r>
+            <a:r>
+              <a:rPr lang="en-US" altLang="ja-JP" dirty="0">
+                <a:latin typeface="源暎ちくご明朝 v3" panose="02020502050000000000" pitchFamily="18" charset="-128"/>
+                <a:ea typeface="源暎ちくご明朝 v3" panose="02020502050000000000" pitchFamily="18" charset="-128"/>
+              </a:rPr>
+              <a:t>:	</a:t>
+            </a:r>
+            <a:r>
+              <a:rPr lang="en-US" altLang="ja-JP" dirty="0" err="1">
+                <a:latin typeface="源暎ちくご明朝 v3" panose="02020502050000000000" pitchFamily="18" charset="-128"/>
+                <a:ea typeface="源暎ちくご明朝 v3" panose="02020502050000000000" pitchFamily="18" charset="-128"/>
+              </a:rPr>
+              <a:t>DefaultCompany</a:t>
+            </a:r>
+            <a:endParaRPr lang="en-US" altLang="ja-JP" dirty="0">
+              <a:latin typeface="源暎ちくご明朝 v3" panose="02020502050000000000" pitchFamily="18" charset="-128"/>
+              <a:ea typeface="源暎ちくご明朝 v3" panose="02020502050000000000" pitchFamily="18" charset="-128"/>
+            </a:endParaRPr>
+          </a:p>
+          <a:p>
+            <a:pPr algn="l"/>
+            <a:r>
+              <a:rPr lang="ja-JP" altLang="en-US" dirty="0">
+                <a:latin typeface="源暎ちくご明朝 v3" panose="02020502050000000000" pitchFamily="18" charset="-128"/>
+                <a:ea typeface="源暎ちくご明朝 v3" panose="02020502050000000000" pitchFamily="18" charset="-128"/>
+              </a:rPr>
+              <a:t>リーダ</a:t>
+            </a:r>
+            <a:r>
+              <a:rPr lang="en-US" altLang="ja-JP" dirty="0">
+                <a:latin typeface="源暎ちくご明朝 v3" panose="02020502050000000000" pitchFamily="18" charset="-128"/>
+                <a:ea typeface="源暎ちくご明朝 v3" panose="02020502050000000000" pitchFamily="18" charset="-128"/>
+              </a:rPr>
+              <a:t>:	</a:t>
+            </a:r>
+            <a:r>
+              <a:rPr lang="ja-JP" altLang="en-US" dirty="0">
+                <a:latin typeface="源暎ちくご明朝 v3" panose="02020502050000000000" pitchFamily="18" charset="-128"/>
+                <a:ea typeface="源暎ちくご明朝 v3" panose="02020502050000000000" pitchFamily="18" charset="-128"/>
+              </a:rPr>
+              <a:t>磯尾ガブリエル</a:t>
+            </a:r>
+            <a:endParaRPr lang="en-US" altLang="ja-JP" dirty="0">
+              <a:latin typeface="源暎ちくご明朝 v3" panose="02020502050000000000" pitchFamily="18" charset="-128"/>
+              <a:ea typeface="源暎ちくご明朝 v3" panose="02020502050000000000" pitchFamily="18" charset="-128"/>
+            </a:endParaRPr>
+          </a:p>
+          <a:p>
+            <a:pPr algn="l"/>
+            <a:r>
+              <a:rPr lang="ja-JP" altLang="en-US" dirty="0">
+                <a:latin typeface="源暎ちくご明朝 v3" panose="02020502050000000000" pitchFamily="18" charset="-128"/>
+                <a:ea typeface="源暎ちくご明朝 v3" panose="02020502050000000000" pitchFamily="18" charset="-128"/>
+              </a:rPr>
+              <a:t>メンバー</a:t>
+            </a:r>
+            <a:r>
+              <a:rPr lang="en-US" altLang="ja-JP" dirty="0">
+                <a:latin typeface="源暎ちくご明朝 v3" panose="02020502050000000000" pitchFamily="18" charset="-128"/>
+                <a:ea typeface="源暎ちくご明朝 v3" panose="02020502050000000000" pitchFamily="18" charset="-128"/>
+              </a:rPr>
+              <a:t>:	</a:t>
+            </a:r>
+            <a:r>
+              <a:rPr lang="ja-JP" altLang="en-US" dirty="0">
+                <a:latin typeface="源暎ちくご明朝 v3" panose="02020502050000000000" pitchFamily="18" charset="-128"/>
+                <a:ea typeface="源暎ちくご明朝 v3" panose="02020502050000000000" pitchFamily="18" charset="-128"/>
+              </a:rPr>
+              <a:t>鈴木天俄</a:t>
+            </a:r>
+            <a:endParaRPr lang="en-US" altLang="ja-JP" dirty="0">
+              <a:latin typeface="源暎ちくご明朝 v3" panose="02020502050000000000" pitchFamily="18" charset="-128"/>
+              <a:ea typeface="源暎ちくご明朝 v3" panose="02020502050000000000" pitchFamily="18" charset="-128"/>
+            </a:endParaRPr>
+          </a:p>
+          <a:p>
+            <a:pPr algn="l"/>
+            <a:r>
+              <a:rPr lang="en-US" altLang="ja-JP" dirty="0">
+                <a:latin typeface="源暎ちくご明朝 v3" panose="02020502050000000000" pitchFamily="18" charset="-128"/>
+                <a:ea typeface="源暎ちくご明朝 v3" panose="02020502050000000000" pitchFamily="18" charset="-128"/>
+              </a:rPr>
+              <a:t>		</a:t>
+            </a:r>
+            <a:r>
+              <a:rPr lang="ja-JP" altLang="en-US" dirty="0">
+                <a:latin typeface="源暎ちくご明朝 v3" panose="02020502050000000000" pitchFamily="18" charset="-128"/>
+                <a:ea typeface="源暎ちくご明朝 v3" panose="02020502050000000000" pitchFamily="18" charset="-128"/>
+              </a:rPr>
+              <a:t>深堀龍</a:t>
+            </a:r>
+          </a:p>
+        </p:txBody>
+      </p:sp>
+      <p:sp>
+        <p:nvSpPr>
+          <p:cNvPr id="10" name="テキスト ボックス 9">
+            <a:extLst>
+              <a:ext uri="{FF2B5EF4-FFF2-40B4-BE49-F238E27FC236}">
+                <a16:creationId xmlns:a16="http://schemas.microsoft.com/office/drawing/2014/main" id="{5220C1F0-2F0D-4D1B-AE91-2B86B6F55FE8}"/>
+              </a:ext>
+            </a:extLst>
+          </p:cNvPr>
+          <p:cNvSpPr txBox="1"/>
+          <p:nvPr/>
+        </p:nvSpPr>
+        <p:spPr>
+          <a:xfrm>
+            <a:off x="5423107" y="803276"/>
+            <a:ext cx="1200329" cy="2798761"/>
+          </a:xfrm>
+          <a:prstGeom prst="rect">
+            <a:avLst/>
+          </a:prstGeom>
+          <a:noFill/>
+        </p:spPr>
+        <p:txBody>
+          <a:bodyPr vert="eaVert" wrap="square" rtlCol="0">
+            <a:spAutoFit/>
+          </a:bodyPr>
+          <a:lstStyle/>
+          <a:p>
+            <a:r>
+              <a:rPr kumimoji="1" lang="ja-JP" altLang="en-US" sz="6600" b="1" dirty="0">
+                <a:ln w="38100">
+                  <a:solidFill>
+                    <a:schemeClr val="tx1"/>
+                  </a:solidFill>
+                </a:ln>
+                <a:solidFill>
+                  <a:srgbClr val="E1E1E1"/>
+                </a:solidFill>
+                <a:latin typeface="源暎エムゴv2 Black" panose="020B0803020203020204" pitchFamily="50" charset="-128"/>
+                <a:ea typeface="源暎エムゴv2 Black" panose="020B0803020203020204" pitchFamily="50" charset="-128"/>
+                <a:cs typeface="源暎エムゴv2 Black" panose="020B0803020203020204" pitchFamily="50" charset="-128"/>
+              </a:rPr>
+              <a:t>振替</a:t>
+            </a:r>
+          </a:p>
+        </p:txBody>
+      </p:sp>
+      <p:pic>
+        <p:nvPicPr>
+          <p:cNvPr id="14" name="図 13">
+            <a:extLst>
+              <a:ext uri="{FF2B5EF4-FFF2-40B4-BE49-F238E27FC236}">
+                <a16:creationId xmlns:a16="http://schemas.microsoft.com/office/drawing/2014/main" id="{A74F8B3B-6AFA-43F4-AB3D-B002E1826F96}"/>
+              </a:ext>
+            </a:extLst>
+          </p:cNvPr>
+          <p:cNvPicPr>
+            <a:picLocks noChangeAspect="1"/>
+          </p:cNvPicPr>
+          <p:nvPr/>
+        </p:nvPicPr>
+        <p:blipFill>
+          <a:blip r:embed="rId3">
+            <a:extLst>
+              <a:ext uri="{28A0092B-C50C-407E-A947-70E740481C1C}">
+                <a14:useLocalDpi xmlns:a14="http://schemas.microsoft.com/office/drawing/2010/main" val="0"/>
+              </a:ext>
+            </a:extLst>
+          </a:blip>
+          <a:stretch>
+            <a:fillRect/>
+          </a:stretch>
+        </p:blipFill>
+        <p:spPr>
+          <a:xfrm>
+            <a:off x="0" y="6407151"/>
+            <a:ext cx="9144000" cy="450850"/>
+          </a:xfrm>
+          <a:prstGeom prst="rect">
+            <a:avLst/>
+          </a:prstGeom>
+        </p:spPr>
+      </p:pic>
+      <p:pic>
+        <p:nvPicPr>
+          <p:cNvPr id="12" name="図 11">
+            <a:extLst>
+              <a:ext uri="{FF2B5EF4-FFF2-40B4-BE49-F238E27FC236}">
+                <a16:creationId xmlns:a16="http://schemas.microsoft.com/office/drawing/2014/main" id="{2AA374F3-1B7B-405B-8BDB-B0FBEBF61381}"/>
+              </a:ext>
+            </a:extLst>
+          </p:cNvPr>
+          <p:cNvPicPr>
+            <a:picLocks noChangeAspect="1"/>
+          </p:cNvPicPr>
+          <p:nvPr/>
+        </p:nvPicPr>
+        <p:blipFill>
+          <a:blip r:embed="rId4">
+            <a:extLst>
+              <a:ext uri="{28A0092B-C50C-407E-A947-70E740481C1C}">
+                <a14:useLocalDpi xmlns:a14="http://schemas.microsoft.com/office/drawing/2010/main" val="0"/>
+              </a:ext>
+            </a:extLst>
+          </a:blip>
+          <a:stretch>
+            <a:fillRect/>
+          </a:stretch>
+        </p:blipFill>
+        <p:spPr>
+          <a:xfrm>
+            <a:off x="8222003" y="0"/>
+            <a:ext cx="450850" cy="6858000"/>
+          </a:xfrm>
+          <a:prstGeom prst="rect">
+            <a:avLst/>
+          </a:prstGeom>
+        </p:spPr>
+      </p:pic>
+      <p:pic>
+        <p:nvPicPr>
+          <p:cNvPr id="5" name="図 4">
+            <a:extLst>
+              <a:ext uri="{FF2B5EF4-FFF2-40B4-BE49-F238E27FC236}">
+                <a16:creationId xmlns:a16="http://schemas.microsoft.com/office/drawing/2014/main" id="{CA25158C-E0E3-4DD7-9BB4-35AA9C33102D}"/>
+              </a:ext>
+            </a:extLst>
+          </p:cNvPr>
+          <p:cNvPicPr>
+            <a:picLocks noChangeAspect="1"/>
+          </p:cNvPicPr>
+          <p:nvPr/>
+        </p:nvPicPr>
+        <p:blipFill>
+          <a:blip r:embed="rId5">
+            <a:extLst>
+              <a:ext uri="{28A0092B-C50C-407E-A947-70E740481C1C}">
+                <a14:useLocalDpi xmlns:a14="http://schemas.microsoft.com/office/drawing/2010/main" val="0"/>
+              </a:ext>
+            </a:extLst>
+          </a:blip>
+          <a:stretch>
+            <a:fillRect/>
+          </a:stretch>
+        </p:blipFill>
+        <p:spPr>
+          <a:xfrm>
+            <a:off x="7005101" y="713799"/>
+            <a:ext cx="2884654" cy="2884654"/>
+          </a:xfrm>
+          <a:prstGeom prst="rect">
+            <a:avLst/>
+          </a:prstGeom>
+        </p:spPr>
+      </p:pic>
     </p:spTree>
     <p:extLst>
       <p:ext uri="{BB962C8B-B14F-4D97-AF65-F5344CB8AC3E}">
         <p14:creationId xmlns:p14="http://schemas.microsoft.com/office/powerpoint/2010/main" val="1280914664"/>
+      </p:ext>
+    </p:extLst>
+  </p:cSld>
+  <p:clrMapOvr>
+    <a:masterClrMapping/>
+  </p:clrMapOvr>
+</p:sld>
+</file>
+
+<file path=ppt/slides/slide2.xml><?xml version="1.0" encoding="utf-8"?>
+<p:sld xmlns:a="http://schemas.openxmlformats.org/drawingml/2006/main" xmlns:r="http://schemas.openxmlformats.org/officeDocument/2006/relationships" xmlns:p="http://schemas.openxmlformats.org/presentationml/2006/main">
+  <p:cSld>
+    <p:spTree>
+      <p:nvGrpSpPr>
+        <p:cNvPr id="1" name=""/>
+        <p:cNvGrpSpPr/>
+        <p:nvPr/>
+      </p:nvGrpSpPr>
+      <p:grpSpPr>
+        <a:xfrm>
+          <a:off x="0" y="0"/>
+          <a:ext cx="0" cy="0"/>
+          <a:chOff x="0" y="0"/>
+          <a:chExt cx="0" cy="0"/>
+        </a:xfrm>
+      </p:grpSpPr>
+      <p:sp>
+        <p:nvSpPr>
+          <p:cNvPr id="2" name="タイトル 1">
+            <a:extLst>
+              <a:ext uri="{FF2B5EF4-FFF2-40B4-BE49-F238E27FC236}">
+                <a16:creationId xmlns:a16="http://schemas.microsoft.com/office/drawing/2014/main" id="{B2CD81A4-4BAA-4846-B512-234212808B2B}"/>
+              </a:ext>
+            </a:extLst>
+          </p:cNvPr>
+          <p:cNvSpPr>
+            <a:spLocks noGrp="1"/>
+          </p:cNvSpPr>
+          <p:nvPr>
+            <p:ph type="ctrTitle"/>
+          </p:nvPr>
+        </p:nvSpPr>
+        <p:spPr>
+          <a:xfrm>
+            <a:off x="3474293" y="-884826"/>
+            <a:ext cx="1723871" cy="884826"/>
+          </a:xfrm>
+        </p:spPr>
+        <p:txBody>
+          <a:bodyPr>
+            <a:normAutofit fontScale="90000"/>
+          </a:bodyPr>
+          <a:lstStyle/>
+          <a:p>
+            <a:r>
+              <a:rPr kumimoji="1" lang="ja-JP" altLang="en-US" dirty="0"/>
+              <a:t>目次</a:t>
+            </a:r>
+          </a:p>
+        </p:txBody>
+      </p:sp>
+      <p:pic>
+        <p:nvPicPr>
+          <p:cNvPr id="14" name="図 13">
+            <a:extLst>
+              <a:ext uri="{FF2B5EF4-FFF2-40B4-BE49-F238E27FC236}">
+                <a16:creationId xmlns:a16="http://schemas.microsoft.com/office/drawing/2014/main" id="{A74F8B3B-6AFA-43F4-AB3D-B002E1826F96}"/>
+              </a:ext>
+            </a:extLst>
+          </p:cNvPr>
+          <p:cNvPicPr>
+            <a:picLocks noChangeAspect="1"/>
+          </p:cNvPicPr>
+          <p:nvPr/>
+        </p:nvPicPr>
+        <p:blipFill>
+          <a:blip r:embed="rId2">
+            <a:extLst>
+              <a:ext uri="{28A0092B-C50C-407E-A947-70E740481C1C}">
+                <a14:useLocalDpi xmlns:a14="http://schemas.microsoft.com/office/drawing/2010/main" val="0"/>
+              </a:ext>
+            </a:extLst>
+          </a:blip>
+          <a:stretch>
+            <a:fillRect/>
+          </a:stretch>
+        </p:blipFill>
+        <p:spPr>
+          <a:xfrm>
+            <a:off x="0" y="488374"/>
+            <a:ext cx="9144000" cy="450850"/>
+          </a:xfrm>
+          <a:prstGeom prst="rect">
+            <a:avLst/>
+          </a:prstGeom>
+        </p:spPr>
+      </p:pic>
+      <p:pic>
+        <p:nvPicPr>
+          <p:cNvPr id="12" name="図 11">
+            <a:extLst>
+              <a:ext uri="{FF2B5EF4-FFF2-40B4-BE49-F238E27FC236}">
+                <a16:creationId xmlns:a16="http://schemas.microsoft.com/office/drawing/2014/main" id="{2AA374F3-1B7B-405B-8BDB-B0FBEBF61381}"/>
+              </a:ext>
+            </a:extLst>
+          </p:cNvPr>
+          <p:cNvPicPr>
+            <a:picLocks noChangeAspect="1"/>
+          </p:cNvPicPr>
+          <p:nvPr/>
+        </p:nvPicPr>
+        <p:blipFill>
+          <a:blip r:embed="rId3">
+            <a:extLst>
+              <a:ext uri="{28A0092B-C50C-407E-A947-70E740481C1C}">
+                <a14:useLocalDpi xmlns:a14="http://schemas.microsoft.com/office/drawing/2010/main" val="0"/>
+              </a:ext>
+            </a:extLst>
+          </a:blip>
+          <a:stretch>
+            <a:fillRect/>
+          </a:stretch>
+        </p:blipFill>
+        <p:spPr>
+          <a:xfrm>
+            <a:off x="0" y="0"/>
+            <a:ext cx="450850" cy="6858000"/>
+          </a:xfrm>
+          <a:prstGeom prst="rect">
+            <a:avLst/>
+          </a:prstGeom>
+        </p:spPr>
+      </p:pic>
+      <p:pic>
+        <p:nvPicPr>
+          <p:cNvPr id="11" name="図 10">
+            <a:extLst>
+              <a:ext uri="{FF2B5EF4-FFF2-40B4-BE49-F238E27FC236}">
+                <a16:creationId xmlns:a16="http://schemas.microsoft.com/office/drawing/2014/main" id="{86E5DBC4-8E30-4A8D-92FD-2E850D6A615B}"/>
+              </a:ext>
+            </a:extLst>
+          </p:cNvPr>
+          <p:cNvPicPr>
+            <a:picLocks noChangeAspect="1"/>
+          </p:cNvPicPr>
+          <p:nvPr/>
+        </p:nvPicPr>
+        <p:blipFill>
+          <a:blip r:embed="rId4">
+            <a:extLst>
+              <a:ext uri="{28A0092B-C50C-407E-A947-70E740481C1C}">
+                <a14:useLocalDpi xmlns:a14="http://schemas.microsoft.com/office/drawing/2010/main" val="0"/>
+              </a:ext>
+            </a:extLst>
+          </a:blip>
+          <a:stretch>
+            <a:fillRect/>
+          </a:stretch>
+        </p:blipFill>
+        <p:spPr>
+          <a:xfrm>
+            <a:off x="7701673" y="5415673"/>
+            <a:ext cx="2884654" cy="2884654"/>
+          </a:xfrm>
+          <a:prstGeom prst="rect">
+            <a:avLst/>
+          </a:prstGeom>
+        </p:spPr>
+      </p:pic>
+      <p:sp>
+        <p:nvSpPr>
+          <p:cNvPr id="6" name="テキスト ボックス 5">
+            <a:extLst>
+              <a:ext uri="{FF2B5EF4-FFF2-40B4-BE49-F238E27FC236}">
+                <a16:creationId xmlns:a16="http://schemas.microsoft.com/office/drawing/2014/main" id="{36914774-4A42-4CF2-80A1-08AAC8BCE06D}"/>
+              </a:ext>
+            </a:extLst>
+          </p:cNvPr>
+          <p:cNvSpPr txBox="1"/>
+          <p:nvPr/>
+        </p:nvSpPr>
+        <p:spPr>
+          <a:xfrm>
+            <a:off x="927928" y="119270"/>
+            <a:ext cx="8216072" cy="769441"/>
+          </a:xfrm>
+          <a:prstGeom prst="rect">
+            <a:avLst/>
+          </a:prstGeom>
+          <a:noFill/>
+        </p:spPr>
+        <p:txBody>
+          <a:bodyPr wrap="square" rtlCol="0">
+            <a:spAutoFit/>
+          </a:bodyPr>
+          <a:lstStyle/>
+          <a:p>
+            <a:r>
+              <a:rPr kumimoji="1" lang="ja-JP" altLang="en-US" sz="4400" b="1" dirty="0">
+                <a:ln w="28575">
+                  <a:solidFill>
+                    <a:schemeClr val="tx1"/>
+                  </a:solidFill>
+                </a:ln>
+                <a:solidFill>
+                  <a:schemeClr val="bg1">
+                    <a:lumMod val="95000"/>
+                  </a:schemeClr>
+                </a:solidFill>
+                <a:latin typeface="源暎エムゴv2 Black" panose="020B0803020203020204" pitchFamily="50" charset="-128"/>
+                <a:ea typeface="源暎エムゴv2 Black" panose="020B0803020203020204" pitchFamily="50" charset="-128"/>
+                <a:cs typeface="源暎エムゴv2 Black" panose="020B0803020203020204" pitchFamily="50" charset="-128"/>
+              </a:rPr>
+              <a:t>目次</a:t>
+            </a:r>
+            <a:endParaRPr kumimoji="1" lang="en-US" altLang="ja-JP" sz="4400" b="1" dirty="0">
+              <a:ln w="28575">
+                <a:solidFill>
+                  <a:schemeClr val="tx1"/>
+                </a:solidFill>
+              </a:ln>
+              <a:solidFill>
+                <a:schemeClr val="bg1">
+                  <a:lumMod val="95000"/>
+                </a:schemeClr>
+              </a:solidFill>
+              <a:latin typeface="源暎エムゴv2 Black" panose="020B0803020203020204" pitchFamily="50" charset="-128"/>
+              <a:ea typeface="源暎エムゴv2 Black" panose="020B0803020203020204" pitchFamily="50" charset="-128"/>
+              <a:cs typeface="源暎エムゴv2 Black" panose="020B0803020203020204" pitchFamily="50" charset="-128"/>
+            </a:endParaRPr>
+          </a:p>
+        </p:txBody>
+      </p:sp>
+    </p:spTree>
+    <p:extLst>
+      <p:ext uri="{BB962C8B-B14F-4D97-AF65-F5344CB8AC3E}">
+        <p14:creationId xmlns:p14="http://schemas.microsoft.com/office/powerpoint/2010/main" val="3337588365"/>
+      </p:ext>
+    </p:extLst>
+  </p:cSld>
+  <p:clrMapOvr>
+    <a:masterClrMapping/>
+  </p:clrMapOvr>
+</p:sld>
+</file>
+
+<file path=ppt/slides/slide3.xml><?xml version="1.0" encoding="utf-8"?>
+<p:sld xmlns:a="http://schemas.openxmlformats.org/drawingml/2006/main" xmlns:r="http://schemas.openxmlformats.org/officeDocument/2006/relationships" xmlns:p="http://schemas.openxmlformats.org/presentationml/2006/main">
+  <p:cSld>
+    <p:spTree>
+      <p:nvGrpSpPr>
+        <p:cNvPr id="1" name=""/>
+        <p:cNvGrpSpPr/>
+        <p:nvPr/>
+      </p:nvGrpSpPr>
+      <p:grpSpPr>
+        <a:xfrm>
+          <a:off x="0" y="0"/>
+          <a:ext cx="0" cy="0"/>
+          <a:chOff x="0" y="0"/>
+          <a:chExt cx="0" cy="0"/>
+        </a:xfrm>
+      </p:grpSpPr>
+      <p:sp>
+        <p:nvSpPr>
+          <p:cNvPr id="2" name="タイトル 1">
+            <a:extLst>
+              <a:ext uri="{FF2B5EF4-FFF2-40B4-BE49-F238E27FC236}">
+                <a16:creationId xmlns:a16="http://schemas.microsoft.com/office/drawing/2014/main" id="{B2CD81A4-4BAA-4846-B512-234212808B2B}"/>
+              </a:ext>
+            </a:extLst>
+          </p:cNvPr>
+          <p:cNvSpPr>
+            <a:spLocks noGrp="1"/>
+          </p:cNvSpPr>
+          <p:nvPr>
+            <p:ph type="ctrTitle"/>
+          </p:nvPr>
+        </p:nvSpPr>
+        <p:spPr>
+          <a:xfrm>
+            <a:off x="3474293" y="-884826"/>
+            <a:ext cx="1723871" cy="884826"/>
+          </a:xfrm>
+        </p:spPr>
+        <p:txBody>
+          <a:bodyPr>
+            <a:normAutofit fontScale="90000"/>
+          </a:bodyPr>
+          <a:lstStyle/>
+          <a:p>
+            <a:r>
+              <a:rPr kumimoji="1" lang="ja-JP" altLang="en-US" dirty="0"/>
+              <a:t>目次</a:t>
+            </a:r>
+          </a:p>
+        </p:txBody>
+      </p:sp>
+      <p:pic>
+        <p:nvPicPr>
+          <p:cNvPr id="14" name="図 13">
+            <a:extLst>
+              <a:ext uri="{FF2B5EF4-FFF2-40B4-BE49-F238E27FC236}">
+                <a16:creationId xmlns:a16="http://schemas.microsoft.com/office/drawing/2014/main" id="{A74F8B3B-6AFA-43F4-AB3D-B002E1826F96}"/>
+              </a:ext>
+            </a:extLst>
+          </p:cNvPr>
+          <p:cNvPicPr>
+            <a:picLocks noChangeAspect="1"/>
+          </p:cNvPicPr>
+          <p:nvPr/>
+        </p:nvPicPr>
+        <p:blipFill>
+          <a:blip r:embed="rId2">
+            <a:extLst>
+              <a:ext uri="{28A0092B-C50C-407E-A947-70E740481C1C}">
+                <a14:useLocalDpi xmlns:a14="http://schemas.microsoft.com/office/drawing/2010/main" val="0"/>
+              </a:ext>
+            </a:extLst>
+          </a:blip>
+          <a:stretch>
+            <a:fillRect/>
+          </a:stretch>
+        </p:blipFill>
+        <p:spPr>
+          <a:xfrm>
+            <a:off x="0" y="488374"/>
+            <a:ext cx="9144000" cy="450850"/>
+          </a:xfrm>
+          <a:prstGeom prst="rect">
+            <a:avLst/>
+          </a:prstGeom>
+        </p:spPr>
+      </p:pic>
+      <p:pic>
+        <p:nvPicPr>
+          <p:cNvPr id="12" name="図 11">
+            <a:extLst>
+              <a:ext uri="{FF2B5EF4-FFF2-40B4-BE49-F238E27FC236}">
+                <a16:creationId xmlns:a16="http://schemas.microsoft.com/office/drawing/2014/main" id="{2AA374F3-1B7B-405B-8BDB-B0FBEBF61381}"/>
+              </a:ext>
+            </a:extLst>
+          </p:cNvPr>
+          <p:cNvPicPr>
+            <a:picLocks noChangeAspect="1"/>
+          </p:cNvPicPr>
+          <p:nvPr/>
+        </p:nvPicPr>
+        <p:blipFill>
+          <a:blip r:embed="rId3">
+            <a:extLst>
+              <a:ext uri="{28A0092B-C50C-407E-A947-70E740481C1C}">
+                <a14:useLocalDpi xmlns:a14="http://schemas.microsoft.com/office/drawing/2010/main" val="0"/>
+              </a:ext>
+            </a:extLst>
+          </a:blip>
+          <a:stretch>
+            <a:fillRect/>
+          </a:stretch>
+        </p:blipFill>
+        <p:spPr>
+          <a:xfrm>
+            <a:off x="0" y="0"/>
+            <a:ext cx="450850" cy="6858000"/>
+          </a:xfrm>
+          <a:prstGeom prst="rect">
+            <a:avLst/>
+          </a:prstGeom>
+        </p:spPr>
+      </p:pic>
+      <p:pic>
+        <p:nvPicPr>
+          <p:cNvPr id="11" name="図 10">
+            <a:extLst>
+              <a:ext uri="{FF2B5EF4-FFF2-40B4-BE49-F238E27FC236}">
+                <a16:creationId xmlns:a16="http://schemas.microsoft.com/office/drawing/2014/main" id="{86E5DBC4-8E30-4A8D-92FD-2E850D6A615B}"/>
+              </a:ext>
+            </a:extLst>
+          </p:cNvPr>
+          <p:cNvPicPr>
+            <a:picLocks noChangeAspect="1"/>
+          </p:cNvPicPr>
+          <p:nvPr/>
+        </p:nvPicPr>
+        <p:blipFill>
+          <a:blip r:embed="rId4">
+            <a:extLst>
+              <a:ext uri="{28A0092B-C50C-407E-A947-70E740481C1C}">
+                <a14:useLocalDpi xmlns:a14="http://schemas.microsoft.com/office/drawing/2010/main" val="0"/>
+              </a:ext>
+            </a:extLst>
+          </a:blip>
+          <a:stretch>
+            <a:fillRect/>
+          </a:stretch>
+        </p:blipFill>
+        <p:spPr>
+          <a:xfrm>
+            <a:off x="7701673" y="5415673"/>
+            <a:ext cx="2884654" cy="2884654"/>
+          </a:xfrm>
+          <a:prstGeom prst="rect">
+            <a:avLst/>
+          </a:prstGeom>
+        </p:spPr>
+      </p:pic>
+      <p:sp>
+        <p:nvSpPr>
+          <p:cNvPr id="6" name="テキスト ボックス 5">
+            <a:extLst>
+              <a:ext uri="{FF2B5EF4-FFF2-40B4-BE49-F238E27FC236}">
+                <a16:creationId xmlns:a16="http://schemas.microsoft.com/office/drawing/2014/main" id="{36914774-4A42-4CF2-80A1-08AAC8BCE06D}"/>
+              </a:ext>
+            </a:extLst>
+          </p:cNvPr>
+          <p:cNvSpPr txBox="1"/>
+          <p:nvPr/>
+        </p:nvSpPr>
+        <p:spPr>
+          <a:xfrm>
+            <a:off x="927928" y="119270"/>
+            <a:ext cx="8216072" cy="769441"/>
+          </a:xfrm>
+          <a:prstGeom prst="rect">
+            <a:avLst/>
+          </a:prstGeom>
+          <a:noFill/>
+        </p:spPr>
+        <p:txBody>
+          <a:bodyPr wrap="square" rtlCol="0">
+            <a:spAutoFit/>
+          </a:bodyPr>
+          <a:lstStyle/>
+          <a:p>
+            <a:r>
+              <a:rPr kumimoji="1" lang="ja-JP" altLang="en-US" sz="4400" b="1" dirty="0">
+                <a:ln w="28575">
+                  <a:solidFill>
+                    <a:schemeClr val="tx1"/>
+                  </a:solidFill>
+                </a:ln>
+                <a:solidFill>
+                  <a:schemeClr val="bg1">
+                    <a:lumMod val="95000"/>
+                  </a:schemeClr>
+                </a:solidFill>
+                <a:latin typeface="源暎エムゴv2 Black" panose="020B0803020203020204" pitchFamily="50" charset="-128"/>
+                <a:ea typeface="源暎エムゴv2 Black" panose="020B0803020203020204" pitchFamily="50" charset="-128"/>
+                <a:cs typeface="源暎エムゴv2 Black" panose="020B0803020203020204" pitchFamily="50" charset="-128"/>
+              </a:rPr>
+              <a:t>ゲーム概要</a:t>
+            </a:r>
+            <a:endParaRPr kumimoji="1" lang="en-US" altLang="ja-JP" sz="4400" b="1" dirty="0">
+              <a:ln w="28575">
+                <a:solidFill>
+                  <a:schemeClr val="tx1"/>
+                </a:solidFill>
+              </a:ln>
+              <a:solidFill>
+                <a:schemeClr val="bg1">
+                  <a:lumMod val="95000"/>
+                </a:schemeClr>
+              </a:solidFill>
+              <a:latin typeface="源暎エムゴv2 Black" panose="020B0803020203020204" pitchFamily="50" charset="-128"/>
+              <a:ea typeface="源暎エムゴv2 Black" panose="020B0803020203020204" pitchFamily="50" charset="-128"/>
+              <a:cs typeface="源暎エムゴv2 Black" panose="020B0803020203020204" pitchFamily="50" charset="-128"/>
+            </a:endParaRPr>
+          </a:p>
+        </p:txBody>
+      </p:sp>
+    </p:spTree>
+    <p:extLst>
+      <p:ext uri="{BB962C8B-B14F-4D97-AF65-F5344CB8AC3E}">
+        <p14:creationId xmlns:p14="http://schemas.microsoft.com/office/powerpoint/2010/main" val="3868849388"/>
+      </p:ext>
+    </p:extLst>
+  </p:cSld>
+  <p:clrMapOvr>
+    <a:masterClrMapping/>
+  </p:clrMapOvr>
+</p:sld>
+</file>
+
+<file path=ppt/slides/slide4.xml><?xml version="1.0" encoding="utf-8"?>
+<p:sld xmlns:a="http://schemas.openxmlformats.org/drawingml/2006/main" xmlns:r="http://schemas.openxmlformats.org/officeDocument/2006/relationships" xmlns:p="http://schemas.openxmlformats.org/presentationml/2006/main">
+  <p:cSld>
+    <p:spTree>
+      <p:nvGrpSpPr>
+        <p:cNvPr id="1" name=""/>
+        <p:cNvGrpSpPr/>
+        <p:nvPr/>
+      </p:nvGrpSpPr>
+      <p:grpSpPr>
+        <a:xfrm>
+          <a:off x="0" y="0"/>
+          <a:ext cx="0" cy="0"/>
+          <a:chOff x="0" y="0"/>
+          <a:chExt cx="0" cy="0"/>
+        </a:xfrm>
+      </p:grpSpPr>
+      <p:sp>
+        <p:nvSpPr>
+          <p:cNvPr id="2" name="タイトル 1">
+            <a:extLst>
+              <a:ext uri="{FF2B5EF4-FFF2-40B4-BE49-F238E27FC236}">
+                <a16:creationId xmlns:a16="http://schemas.microsoft.com/office/drawing/2014/main" id="{B2CD81A4-4BAA-4846-B512-234212808B2B}"/>
+              </a:ext>
+            </a:extLst>
+          </p:cNvPr>
+          <p:cNvSpPr>
+            <a:spLocks noGrp="1"/>
+          </p:cNvSpPr>
+          <p:nvPr>
+            <p:ph type="ctrTitle"/>
+          </p:nvPr>
+        </p:nvSpPr>
+        <p:spPr>
+          <a:xfrm>
+            <a:off x="3474293" y="-884826"/>
+            <a:ext cx="1723871" cy="884826"/>
+          </a:xfrm>
+        </p:spPr>
+        <p:txBody>
+          <a:bodyPr>
+            <a:normAutofit fontScale="90000"/>
+          </a:bodyPr>
+          <a:lstStyle/>
+          <a:p>
+            <a:r>
+              <a:rPr kumimoji="1" lang="ja-JP" altLang="en-US" dirty="0"/>
+              <a:t>目次</a:t>
+            </a:r>
+          </a:p>
+        </p:txBody>
+      </p:sp>
+      <p:pic>
+        <p:nvPicPr>
+          <p:cNvPr id="14" name="図 13">
+            <a:extLst>
+              <a:ext uri="{FF2B5EF4-FFF2-40B4-BE49-F238E27FC236}">
+                <a16:creationId xmlns:a16="http://schemas.microsoft.com/office/drawing/2014/main" id="{A74F8B3B-6AFA-43F4-AB3D-B002E1826F96}"/>
+              </a:ext>
+            </a:extLst>
+          </p:cNvPr>
+          <p:cNvPicPr>
+            <a:picLocks noChangeAspect="1"/>
+          </p:cNvPicPr>
+          <p:nvPr/>
+        </p:nvPicPr>
+        <p:blipFill>
+          <a:blip r:embed="rId2">
+            <a:extLst>
+              <a:ext uri="{28A0092B-C50C-407E-A947-70E740481C1C}">
+                <a14:useLocalDpi xmlns:a14="http://schemas.microsoft.com/office/drawing/2010/main" val="0"/>
+              </a:ext>
+            </a:extLst>
+          </a:blip>
+          <a:stretch>
+            <a:fillRect/>
+          </a:stretch>
+        </p:blipFill>
+        <p:spPr>
+          <a:xfrm>
+            <a:off x="0" y="488374"/>
+            <a:ext cx="9144000" cy="450850"/>
+          </a:xfrm>
+          <a:prstGeom prst="rect">
+            <a:avLst/>
+          </a:prstGeom>
+        </p:spPr>
+      </p:pic>
+      <p:pic>
+        <p:nvPicPr>
+          <p:cNvPr id="12" name="図 11">
+            <a:extLst>
+              <a:ext uri="{FF2B5EF4-FFF2-40B4-BE49-F238E27FC236}">
+                <a16:creationId xmlns:a16="http://schemas.microsoft.com/office/drawing/2014/main" id="{2AA374F3-1B7B-405B-8BDB-B0FBEBF61381}"/>
+              </a:ext>
+            </a:extLst>
+          </p:cNvPr>
+          <p:cNvPicPr>
+            <a:picLocks noChangeAspect="1"/>
+          </p:cNvPicPr>
+          <p:nvPr/>
+        </p:nvPicPr>
+        <p:blipFill>
+          <a:blip r:embed="rId3">
+            <a:extLst>
+              <a:ext uri="{28A0092B-C50C-407E-A947-70E740481C1C}">
+                <a14:useLocalDpi xmlns:a14="http://schemas.microsoft.com/office/drawing/2010/main" val="0"/>
+              </a:ext>
+            </a:extLst>
+          </a:blip>
+          <a:stretch>
+            <a:fillRect/>
+          </a:stretch>
+        </p:blipFill>
+        <p:spPr>
+          <a:xfrm>
+            <a:off x="0" y="0"/>
+            <a:ext cx="450850" cy="6858000"/>
+          </a:xfrm>
+          <a:prstGeom prst="rect">
+            <a:avLst/>
+          </a:prstGeom>
+        </p:spPr>
+      </p:pic>
+      <p:pic>
+        <p:nvPicPr>
+          <p:cNvPr id="11" name="図 10">
+            <a:extLst>
+              <a:ext uri="{FF2B5EF4-FFF2-40B4-BE49-F238E27FC236}">
+                <a16:creationId xmlns:a16="http://schemas.microsoft.com/office/drawing/2014/main" id="{86E5DBC4-8E30-4A8D-92FD-2E850D6A615B}"/>
+              </a:ext>
+            </a:extLst>
+          </p:cNvPr>
+          <p:cNvPicPr>
+            <a:picLocks noChangeAspect="1"/>
+          </p:cNvPicPr>
+          <p:nvPr/>
+        </p:nvPicPr>
+        <p:blipFill>
+          <a:blip r:embed="rId4">
+            <a:extLst>
+              <a:ext uri="{28A0092B-C50C-407E-A947-70E740481C1C}">
+                <a14:useLocalDpi xmlns:a14="http://schemas.microsoft.com/office/drawing/2010/main" val="0"/>
+              </a:ext>
+            </a:extLst>
+          </a:blip>
+          <a:stretch>
+            <a:fillRect/>
+          </a:stretch>
+        </p:blipFill>
+        <p:spPr>
+          <a:xfrm>
+            <a:off x="7701673" y="5415673"/>
+            <a:ext cx="2884654" cy="2884654"/>
+          </a:xfrm>
+          <a:prstGeom prst="rect">
+            <a:avLst/>
+          </a:prstGeom>
+        </p:spPr>
+      </p:pic>
+      <p:sp>
+        <p:nvSpPr>
+          <p:cNvPr id="6" name="テキスト ボックス 5">
+            <a:extLst>
+              <a:ext uri="{FF2B5EF4-FFF2-40B4-BE49-F238E27FC236}">
+                <a16:creationId xmlns:a16="http://schemas.microsoft.com/office/drawing/2014/main" id="{36914774-4A42-4CF2-80A1-08AAC8BCE06D}"/>
+              </a:ext>
+            </a:extLst>
+          </p:cNvPr>
+          <p:cNvSpPr txBox="1"/>
+          <p:nvPr/>
+        </p:nvSpPr>
+        <p:spPr>
+          <a:xfrm>
+            <a:off x="927928" y="119270"/>
+            <a:ext cx="8216072" cy="769441"/>
+          </a:xfrm>
+          <a:prstGeom prst="rect">
+            <a:avLst/>
+          </a:prstGeom>
+          <a:noFill/>
+        </p:spPr>
+        <p:txBody>
+          <a:bodyPr wrap="square" rtlCol="0">
+            <a:spAutoFit/>
+          </a:bodyPr>
+          <a:lstStyle/>
+          <a:p>
+            <a:endParaRPr kumimoji="1" lang="en-US" altLang="ja-JP" sz="4400" b="1" dirty="0">
+              <a:ln w="28575">
+                <a:solidFill>
+                  <a:schemeClr val="tx1"/>
+                </a:solidFill>
+              </a:ln>
+              <a:solidFill>
+                <a:schemeClr val="bg1">
+                  <a:lumMod val="95000"/>
+                </a:schemeClr>
+              </a:solidFill>
+              <a:latin typeface="源暎エムゴv2 Black" panose="020B0803020203020204" pitchFamily="50" charset="-128"/>
+              <a:ea typeface="源暎エムゴv2 Black" panose="020B0803020203020204" pitchFamily="50" charset="-128"/>
+              <a:cs typeface="源暎エムゴv2 Black" panose="020B0803020203020204" pitchFamily="50" charset="-128"/>
+            </a:endParaRPr>
+          </a:p>
+        </p:txBody>
+      </p:sp>
+    </p:spTree>
+    <p:extLst>
+      <p:ext uri="{BB962C8B-B14F-4D97-AF65-F5344CB8AC3E}">
+        <p14:creationId xmlns:p14="http://schemas.microsoft.com/office/powerpoint/2010/main" val="2139964546"/>
+      </p:ext>
+    </p:extLst>
+  </p:cSld>
+  <p:clrMapOvr>
+    <a:masterClrMapping/>
+  </p:clrMapOvr>
+</p:sld>
+</file>
+
+<file path=ppt/slides/slide5.xml><?xml version="1.0" encoding="utf-8"?>
+<p:sld xmlns:a="http://schemas.openxmlformats.org/drawingml/2006/main" xmlns:r="http://schemas.openxmlformats.org/officeDocument/2006/relationships" xmlns:p="http://schemas.openxmlformats.org/presentationml/2006/main">
+  <p:cSld>
+    <p:spTree>
+      <p:nvGrpSpPr>
+        <p:cNvPr id="1" name=""/>
+        <p:cNvGrpSpPr/>
+        <p:nvPr/>
+      </p:nvGrpSpPr>
+      <p:grpSpPr>
+        <a:xfrm>
+          <a:off x="0" y="0"/>
+          <a:ext cx="0" cy="0"/>
+          <a:chOff x="0" y="0"/>
+          <a:chExt cx="0" cy="0"/>
+        </a:xfrm>
+      </p:grpSpPr>
+      <p:sp>
+        <p:nvSpPr>
+          <p:cNvPr id="2" name="タイトル 1">
+            <a:extLst>
+              <a:ext uri="{FF2B5EF4-FFF2-40B4-BE49-F238E27FC236}">
+                <a16:creationId xmlns:a16="http://schemas.microsoft.com/office/drawing/2014/main" id="{B2CD81A4-4BAA-4846-B512-234212808B2B}"/>
+              </a:ext>
+            </a:extLst>
+          </p:cNvPr>
+          <p:cNvSpPr>
+            <a:spLocks noGrp="1"/>
+          </p:cNvSpPr>
+          <p:nvPr>
+            <p:ph type="ctrTitle"/>
+          </p:nvPr>
+        </p:nvSpPr>
+        <p:spPr>
+          <a:xfrm>
+            <a:off x="3474293" y="-884826"/>
+            <a:ext cx="1723871" cy="884826"/>
+          </a:xfrm>
+        </p:spPr>
+        <p:txBody>
+          <a:bodyPr>
+            <a:normAutofit fontScale="90000"/>
+          </a:bodyPr>
+          <a:lstStyle/>
+          <a:p>
+            <a:r>
+              <a:rPr kumimoji="1" lang="ja-JP" altLang="en-US" dirty="0"/>
+              <a:t>目次</a:t>
+            </a:r>
+          </a:p>
+        </p:txBody>
+      </p:sp>
+      <p:pic>
+        <p:nvPicPr>
+          <p:cNvPr id="14" name="図 13">
+            <a:extLst>
+              <a:ext uri="{FF2B5EF4-FFF2-40B4-BE49-F238E27FC236}">
+                <a16:creationId xmlns:a16="http://schemas.microsoft.com/office/drawing/2014/main" id="{A74F8B3B-6AFA-43F4-AB3D-B002E1826F96}"/>
+              </a:ext>
+            </a:extLst>
+          </p:cNvPr>
+          <p:cNvPicPr>
+            <a:picLocks noChangeAspect="1"/>
+          </p:cNvPicPr>
+          <p:nvPr/>
+        </p:nvPicPr>
+        <p:blipFill>
+          <a:blip r:embed="rId2">
+            <a:extLst>
+              <a:ext uri="{28A0092B-C50C-407E-A947-70E740481C1C}">
+                <a14:useLocalDpi xmlns:a14="http://schemas.microsoft.com/office/drawing/2010/main" val="0"/>
+              </a:ext>
+            </a:extLst>
+          </a:blip>
+          <a:stretch>
+            <a:fillRect/>
+          </a:stretch>
+        </p:blipFill>
+        <p:spPr>
+          <a:xfrm>
+            <a:off x="0" y="488374"/>
+            <a:ext cx="9144000" cy="450850"/>
+          </a:xfrm>
+          <a:prstGeom prst="rect">
+            <a:avLst/>
+          </a:prstGeom>
+        </p:spPr>
+      </p:pic>
+      <p:pic>
+        <p:nvPicPr>
+          <p:cNvPr id="12" name="図 11">
+            <a:extLst>
+              <a:ext uri="{FF2B5EF4-FFF2-40B4-BE49-F238E27FC236}">
+                <a16:creationId xmlns:a16="http://schemas.microsoft.com/office/drawing/2014/main" id="{2AA374F3-1B7B-405B-8BDB-B0FBEBF61381}"/>
+              </a:ext>
+            </a:extLst>
+          </p:cNvPr>
+          <p:cNvPicPr>
+            <a:picLocks noChangeAspect="1"/>
+          </p:cNvPicPr>
+          <p:nvPr/>
+        </p:nvPicPr>
+        <p:blipFill>
+          <a:blip r:embed="rId3">
+            <a:extLst>
+              <a:ext uri="{28A0092B-C50C-407E-A947-70E740481C1C}">
+                <a14:useLocalDpi xmlns:a14="http://schemas.microsoft.com/office/drawing/2010/main" val="0"/>
+              </a:ext>
+            </a:extLst>
+          </a:blip>
+          <a:stretch>
+            <a:fillRect/>
+          </a:stretch>
+        </p:blipFill>
+        <p:spPr>
+          <a:xfrm>
+            <a:off x="0" y="0"/>
+            <a:ext cx="450850" cy="6858000"/>
+          </a:xfrm>
+          <a:prstGeom prst="rect">
+            <a:avLst/>
+          </a:prstGeom>
+        </p:spPr>
+      </p:pic>
+      <p:pic>
+        <p:nvPicPr>
+          <p:cNvPr id="11" name="図 10">
+            <a:extLst>
+              <a:ext uri="{FF2B5EF4-FFF2-40B4-BE49-F238E27FC236}">
+                <a16:creationId xmlns:a16="http://schemas.microsoft.com/office/drawing/2014/main" id="{86E5DBC4-8E30-4A8D-92FD-2E850D6A615B}"/>
+              </a:ext>
+            </a:extLst>
+          </p:cNvPr>
+          <p:cNvPicPr>
+            <a:picLocks noChangeAspect="1"/>
+          </p:cNvPicPr>
+          <p:nvPr/>
+        </p:nvPicPr>
+        <p:blipFill>
+          <a:blip r:embed="rId4">
+            <a:extLst>
+              <a:ext uri="{28A0092B-C50C-407E-A947-70E740481C1C}">
+                <a14:useLocalDpi xmlns:a14="http://schemas.microsoft.com/office/drawing/2010/main" val="0"/>
+              </a:ext>
+            </a:extLst>
+          </a:blip>
+          <a:stretch>
+            <a:fillRect/>
+          </a:stretch>
+        </p:blipFill>
+        <p:spPr>
+          <a:xfrm>
+            <a:off x="7701673" y="5415673"/>
+            <a:ext cx="2884654" cy="2884654"/>
+          </a:xfrm>
+          <a:prstGeom prst="rect">
+            <a:avLst/>
+          </a:prstGeom>
+        </p:spPr>
+      </p:pic>
+      <p:sp>
+        <p:nvSpPr>
+          <p:cNvPr id="6" name="テキスト ボックス 5">
+            <a:extLst>
+              <a:ext uri="{FF2B5EF4-FFF2-40B4-BE49-F238E27FC236}">
+                <a16:creationId xmlns:a16="http://schemas.microsoft.com/office/drawing/2014/main" id="{36914774-4A42-4CF2-80A1-08AAC8BCE06D}"/>
+              </a:ext>
+            </a:extLst>
+          </p:cNvPr>
+          <p:cNvSpPr txBox="1"/>
+          <p:nvPr/>
+        </p:nvSpPr>
+        <p:spPr>
+          <a:xfrm>
+            <a:off x="927928" y="119270"/>
+            <a:ext cx="8216072" cy="1446550"/>
+          </a:xfrm>
+          <a:prstGeom prst="rect">
+            <a:avLst/>
+          </a:prstGeom>
+          <a:noFill/>
+        </p:spPr>
+        <p:txBody>
+          <a:bodyPr wrap="square" rtlCol="0">
+            <a:spAutoFit/>
+          </a:bodyPr>
+          <a:lstStyle/>
+          <a:p>
+            <a:r>
+              <a:rPr kumimoji="1" lang="ja-JP" altLang="en-US" sz="4400" b="1" dirty="0">
+                <a:ln w="28575">
+                  <a:solidFill>
+                    <a:schemeClr val="tx1"/>
+                  </a:solidFill>
+                </a:ln>
+                <a:solidFill>
+                  <a:schemeClr val="bg1">
+                    <a:lumMod val="95000"/>
+                  </a:schemeClr>
+                </a:solidFill>
+                <a:latin typeface="源暎エムゴv2 Black" panose="020B0803020203020204" pitchFamily="50" charset="-128"/>
+                <a:ea typeface="源暎エムゴv2 Black" panose="020B0803020203020204" pitchFamily="50" charset="-128"/>
+                <a:cs typeface="源暎エムゴv2 Black" panose="020B0803020203020204" pitchFamily="50" charset="-128"/>
+              </a:rPr>
+              <a:t>いろはに</a:t>
+            </a:r>
+            <a:r>
+              <a:rPr kumimoji="1" lang="ja-JP" altLang="en-US" sz="4400" b="1" dirty="0" err="1">
+                <a:ln w="28575">
+                  <a:solidFill>
+                    <a:schemeClr val="tx1"/>
+                  </a:solidFill>
+                </a:ln>
+                <a:solidFill>
+                  <a:schemeClr val="bg1">
+                    <a:lumMod val="95000"/>
+                  </a:schemeClr>
+                </a:solidFill>
+                <a:latin typeface="源暎エムゴv2 Black" panose="020B0803020203020204" pitchFamily="50" charset="-128"/>
+                <a:ea typeface="源暎エムゴv2 Black" panose="020B0803020203020204" pitchFamily="50" charset="-128"/>
+                <a:cs typeface="源暎エムゴv2 Black" panose="020B0803020203020204" pitchFamily="50" charset="-128"/>
+              </a:rPr>
+              <a:t>ほへ</a:t>
+            </a:r>
+            <a:r>
+              <a:rPr kumimoji="1" lang="ja-JP" altLang="en-US" sz="4400" b="1" dirty="0">
+                <a:ln w="28575">
+                  <a:solidFill>
+                    <a:schemeClr val="tx1"/>
+                  </a:solidFill>
+                </a:ln>
+                <a:solidFill>
+                  <a:schemeClr val="bg1">
+                    <a:lumMod val="95000"/>
+                  </a:schemeClr>
+                </a:solidFill>
+                <a:latin typeface="源暎エムゴv2 Black" panose="020B0803020203020204" pitchFamily="50" charset="-128"/>
+                <a:ea typeface="源暎エムゴv2 Black" panose="020B0803020203020204" pitchFamily="50" charset="-128"/>
+                <a:cs typeface="源暎エムゴv2 Black" panose="020B0803020203020204" pitchFamily="50" charset="-128"/>
+              </a:rPr>
+              <a:t>とちりぬるをわかよたれそつねならむういのおく</a:t>
+            </a:r>
+            <a:endParaRPr kumimoji="1" lang="en-US" altLang="ja-JP" sz="4400" b="1" dirty="0">
+              <a:ln w="28575">
+                <a:solidFill>
+                  <a:schemeClr val="tx1"/>
+                </a:solidFill>
+              </a:ln>
+              <a:solidFill>
+                <a:schemeClr val="bg1">
+                  <a:lumMod val="95000"/>
+                </a:schemeClr>
+              </a:solidFill>
+              <a:latin typeface="源暎エムゴv2 Black" panose="020B0803020203020204" pitchFamily="50" charset="-128"/>
+              <a:ea typeface="源暎エムゴv2 Black" panose="020B0803020203020204" pitchFamily="50" charset="-128"/>
+              <a:cs typeface="源暎エムゴv2 Black" panose="020B0803020203020204" pitchFamily="50" charset="-128"/>
+            </a:endParaRPr>
+          </a:p>
+        </p:txBody>
+      </p:sp>
+    </p:spTree>
+    <p:extLst>
+      <p:ext uri="{BB962C8B-B14F-4D97-AF65-F5344CB8AC3E}">
+        <p14:creationId xmlns:p14="http://schemas.microsoft.com/office/powerpoint/2010/main" val="3145407652"/>
       </p:ext>
     </p:extLst>
   </p:cSld>
